--- a/CalendarioAgo24/Presentaciones/1_IntroduccionRedes.pptx
+++ b/CalendarioAgo24/Presentaciones/1_IntroduccionRedes.pptx
@@ -237,7 +237,7 @@
           <a:p>
             <a:fld id="{2D445F07-8756-451B-A938-0248325FC7BB}" type="datetimeFigureOut">
               <a:rPr lang="es-MX" smtClean="0"/>
-              <a:t>13/05/2024</a:t>
+              <a:t>27/10/2024</a:t>
             </a:fld>
             <a:endParaRPr lang="es-MX" dirty="0"/>
           </a:p>
@@ -2663,7 +2663,7 @@
           <a:p>
             <a:fld id="{5E75A0DC-66C6-4CEC-A5EB-F8C97CEC3796}" type="datetimeFigureOut">
               <a:rPr lang="es-MX" smtClean="0"/>
-              <a:t>13/05/2024</a:t>
+              <a:t>27/10/2024</a:t>
             </a:fld>
             <a:endParaRPr lang="es-MX" dirty="0"/>
           </a:p>
@@ -2833,7 +2833,7 @@
           <a:p>
             <a:fld id="{5E75A0DC-66C6-4CEC-A5EB-F8C97CEC3796}" type="datetimeFigureOut">
               <a:rPr lang="es-MX" smtClean="0"/>
-              <a:t>13/05/2024</a:t>
+              <a:t>27/10/2024</a:t>
             </a:fld>
             <a:endParaRPr lang="es-MX" dirty="0"/>
           </a:p>
@@ -3013,7 +3013,7 @@
           <a:p>
             <a:fld id="{5E75A0DC-66C6-4CEC-A5EB-F8C97CEC3796}" type="datetimeFigureOut">
               <a:rPr lang="es-MX" smtClean="0"/>
-              <a:t>13/05/2024</a:t>
+              <a:t>27/10/2024</a:t>
             </a:fld>
             <a:endParaRPr lang="es-MX" dirty="0"/>
           </a:p>
@@ -3488,7 +3488,7 @@
           <a:p>
             <a:fld id="{5E75A0DC-66C6-4CEC-A5EB-F8C97CEC3796}" type="datetimeFigureOut">
               <a:rPr lang="es-MX" smtClean="0"/>
-              <a:t>13/05/2024</a:t>
+              <a:t>27/10/2024</a:t>
             </a:fld>
             <a:endParaRPr lang="es-MX" dirty="0"/>
           </a:p>
@@ -3734,7 +3734,7 @@
           <a:p>
             <a:fld id="{5E75A0DC-66C6-4CEC-A5EB-F8C97CEC3796}" type="datetimeFigureOut">
               <a:rPr lang="es-MX" smtClean="0"/>
-              <a:t>13/05/2024</a:t>
+              <a:t>27/10/2024</a:t>
             </a:fld>
             <a:endParaRPr lang="es-MX" dirty="0"/>
           </a:p>
@@ -4022,7 +4022,7 @@
           <a:p>
             <a:fld id="{5E75A0DC-66C6-4CEC-A5EB-F8C97CEC3796}" type="datetimeFigureOut">
               <a:rPr lang="es-MX" smtClean="0"/>
-              <a:t>13/05/2024</a:t>
+              <a:t>27/10/2024</a:t>
             </a:fld>
             <a:endParaRPr lang="es-MX" dirty="0"/>
           </a:p>
@@ -4444,7 +4444,7 @@
           <a:p>
             <a:fld id="{5E75A0DC-66C6-4CEC-A5EB-F8C97CEC3796}" type="datetimeFigureOut">
               <a:rPr lang="es-MX" smtClean="0"/>
-              <a:t>13/05/2024</a:t>
+              <a:t>27/10/2024</a:t>
             </a:fld>
             <a:endParaRPr lang="es-MX" dirty="0"/>
           </a:p>
@@ -4562,7 +4562,7 @@
           <a:p>
             <a:fld id="{5E75A0DC-66C6-4CEC-A5EB-F8C97CEC3796}" type="datetimeFigureOut">
               <a:rPr lang="es-MX" smtClean="0"/>
-              <a:t>13/05/2024</a:t>
+              <a:t>27/10/2024</a:t>
             </a:fld>
             <a:endParaRPr lang="es-MX" dirty="0"/>
           </a:p>
@@ -4657,7 +4657,7 @@
           <a:p>
             <a:fld id="{5E75A0DC-66C6-4CEC-A5EB-F8C97CEC3796}" type="datetimeFigureOut">
               <a:rPr lang="es-MX" smtClean="0"/>
-              <a:t>13/05/2024</a:t>
+              <a:t>27/10/2024</a:t>
             </a:fld>
             <a:endParaRPr lang="es-MX" dirty="0"/>
           </a:p>
@@ -4934,7 +4934,7 @@
           <a:p>
             <a:fld id="{5E75A0DC-66C6-4CEC-A5EB-F8C97CEC3796}" type="datetimeFigureOut">
               <a:rPr lang="es-MX" smtClean="0"/>
-              <a:t>13/05/2024</a:t>
+              <a:t>27/10/2024</a:t>
             </a:fld>
             <a:endParaRPr lang="es-MX" dirty="0"/>
           </a:p>
@@ -5187,7 +5187,7 @@
           <a:p>
             <a:fld id="{5E75A0DC-66C6-4CEC-A5EB-F8C97CEC3796}" type="datetimeFigureOut">
               <a:rPr lang="es-MX" smtClean="0"/>
-              <a:t>13/05/2024</a:t>
+              <a:t>27/10/2024</a:t>
             </a:fld>
             <a:endParaRPr lang="es-MX" dirty="0"/>
           </a:p>
@@ -5400,7 +5400,7 @@
           <a:p>
             <a:fld id="{5E75A0DC-66C6-4CEC-A5EB-F8C97CEC3796}" type="datetimeFigureOut">
               <a:rPr lang="es-MX" smtClean="0"/>
-              <a:t>13/05/2024</a:t>
+              <a:t>27/10/2024</a:t>
             </a:fld>
             <a:endParaRPr lang="es-MX" dirty="0"/>
           </a:p>
@@ -16285,7 +16285,7 @@
           <a:p>
             <a:pPr marR="54293" algn="ctr"/>
             <a:r>
-              <a:rPr sz="2100" b="1" spc="-19" dirty="0" err="1">
+              <a:rPr lang="es-MX" sz="2100" b="1" spc="-19" dirty="0">
                 <a:solidFill>
                   <a:srgbClr val="44536A"/>
                 </a:solidFill>
@@ -16295,7 +16295,7 @@
               <a:t>Medio</a:t>
             </a:r>
             <a:r>
-              <a:rPr sz="2100" b="1" spc="-11" dirty="0" err="1">
+              <a:rPr lang="es-MX" sz="2100" b="1" spc="-11" dirty="0">
                 <a:solidFill>
                   <a:srgbClr val="44536A"/>
                 </a:solidFill>
@@ -20031,7 +20031,7 @@
               <a:t>INTERACCIÓN: </a:t>
             </a:r>
             <a:r>
-              <a:rPr lang="en-US" dirty="0" err="1">
+              <a:rPr lang="es-MX" dirty="0">
                 <a:latin typeface="Arial" panose="020B0604020202020204" pitchFamily="34" charset="0"/>
                 <a:cs typeface="Arial" panose="020B0604020202020204" pitchFamily="34" charset="0"/>
               </a:rPr>
